--- a/Compte rendus/Complement.pptx
+++ b/Compte rendus/Complement.pptx
@@ -7,6 +7,7 @@
   <p:sldIdLst>
     <p:sldId id="256" r:id="rId2"/>
     <p:sldId id="257" r:id="rId3"/>
+    <p:sldId id="258" r:id="rId4"/>
   </p:sldIdLst>
   <p:sldSz cx="6858000" cy="9906000" type="A4"/>
   <p:notesSz cx="6858000" cy="9144000"/>
@@ -105,6 +106,11 @@
       </a:defRPr>
     </a:lvl9pPr>
   </p:defaultTextStyle>
+  <p:extLst>
+    <p:ext uri="{EFAFB233-063F-42B5-8137-9DF3F51BA10A}">
+      <p15:sldGuideLst xmlns:p15="http://schemas.microsoft.com/office/powerpoint/2012/main"/>
+    </p:ext>
+  </p:extLst>
 </p:presentation>
 </file>
 
@@ -3996,13 +4002,8 @@
           <a:p>
             <a:r>
               <a:rPr lang="fr-FR" dirty="0"/>
-              <a:t>Nombre Décimale: </a:t>
-            </a:r>
-            <a:r>
-              <a:rPr lang="fr-FR"/>
-              <a:t>-C</a:t>
-            </a:r>
-            <a:endParaRPr lang="fr-FR" dirty="0"/>
+              <a:t>Nombre Décimale: -C</a:t>
+            </a:r>
           </a:p>
         </p:txBody>
       </p:sp>
@@ -4164,6 +4165,1340 @@
     <p:extLst>
       <p:ext uri="{BB962C8B-B14F-4D97-AF65-F5344CB8AC3E}">
         <p14:creationId xmlns:p14="http://schemas.microsoft.com/office/powerpoint/2010/main" val="3089793635"/>
+      </p:ext>
+    </p:extLst>
+  </p:cSld>
+  <p:clrMapOvr>
+    <a:masterClrMapping/>
+  </p:clrMapOvr>
+</p:sld>
+</file>
+
+<file path=ppt/slides/slide3.xml><?xml version="1.0" encoding="utf-8"?>
+<p:sld xmlns:a="http://schemas.openxmlformats.org/drawingml/2006/main" xmlns:r="http://schemas.openxmlformats.org/officeDocument/2006/relationships" xmlns:p="http://schemas.openxmlformats.org/presentationml/2006/main">
+  <p:cSld>
+    <p:spTree>
+      <p:nvGrpSpPr>
+        <p:cNvPr id="1" name=""/>
+        <p:cNvGrpSpPr/>
+        <p:nvPr/>
+      </p:nvGrpSpPr>
+      <p:grpSpPr>
+        <a:xfrm>
+          <a:off x="0" y="0"/>
+          <a:ext cx="0" cy="0"/>
+          <a:chOff x="0" y="0"/>
+          <a:chExt cx="0" cy="0"/>
+        </a:xfrm>
+      </p:grpSpPr>
+      <p:sp>
+        <p:nvSpPr>
+          <p:cNvPr id="4" name="Rectangle 3">
+            <a:extLst>
+              <a:ext uri="{FF2B5EF4-FFF2-40B4-BE49-F238E27FC236}">
+                <a16:creationId xmlns:a16="http://schemas.microsoft.com/office/drawing/2014/main" id="{F5A0C407-7F4C-3F53-EEC7-494532AA5218}"/>
+              </a:ext>
+            </a:extLst>
+          </p:cNvPr>
+          <p:cNvSpPr/>
+          <p:nvPr/>
+        </p:nvSpPr>
+        <p:spPr>
+          <a:xfrm>
+            <a:off x="669767" y="696312"/>
+            <a:ext cx="3129333" cy="750629"/>
+          </a:xfrm>
+          <a:prstGeom prst="rect">
+            <a:avLst/>
+          </a:prstGeom>
+        </p:spPr>
+        <p:style>
+          <a:lnRef idx="1">
+            <a:schemeClr val="accent6"/>
+          </a:lnRef>
+          <a:fillRef idx="3">
+            <a:schemeClr val="accent6"/>
+          </a:fillRef>
+          <a:effectRef idx="2">
+            <a:schemeClr val="accent6"/>
+          </a:effectRef>
+          <a:fontRef idx="minor">
+            <a:schemeClr val="lt1"/>
+          </a:fontRef>
+        </p:style>
+        <p:txBody>
+          <a:bodyPr rtlCol="0" anchor="ctr"/>
+          <a:lstStyle/>
+          <a:p>
+            <a:r>
+              <a:rPr lang="fr-FR" sz="2903" dirty="0">
+                <a:solidFill>
+                  <a:schemeClr val="bg1"/>
+                </a:solidFill>
+                <a:latin typeface="Consolas" panose="020B0609020204030204" pitchFamily="49" charset="0"/>
+              </a:rPr>
+              <a:t>Algorithmes</a:t>
+            </a:r>
+            <a:endParaRPr lang="fr-FR" sz="1452" dirty="0"/>
+          </a:p>
+        </p:txBody>
+      </p:sp>
+      <p:sp>
+        <p:nvSpPr>
+          <p:cNvPr id="5" name="Rectangle 4">
+            <a:extLst>
+              <a:ext uri="{FF2B5EF4-FFF2-40B4-BE49-F238E27FC236}">
+                <a16:creationId xmlns:a16="http://schemas.microsoft.com/office/drawing/2014/main" id="{95DBC45C-3F5F-3E6C-07A5-1780A7202CE4}"/>
+              </a:ext>
+            </a:extLst>
+          </p:cNvPr>
+          <p:cNvSpPr/>
+          <p:nvPr/>
+        </p:nvSpPr>
+        <p:spPr>
+          <a:xfrm>
+            <a:off x="3116858" y="790616"/>
+            <a:ext cx="2567018" cy="598641"/>
+          </a:xfrm>
+          <a:prstGeom prst="rect">
+            <a:avLst/>
+          </a:prstGeom>
+          <a:solidFill>
+            <a:schemeClr val="tx1">
+              <a:lumMod val="75000"/>
+              <a:lumOff val="25000"/>
+            </a:schemeClr>
+          </a:solidFill>
+          <a:ln>
+            <a:noFill/>
+          </a:ln>
+          <a:effectLst>
+            <a:outerShdw blurRad="50800" dist="38100" dir="2700000" algn="tl" rotWithShape="0">
+              <a:prstClr val="black">
+                <a:alpha val="40000"/>
+              </a:prstClr>
+            </a:outerShdw>
+          </a:effectLst>
+        </p:spPr>
+        <p:style>
+          <a:lnRef idx="2">
+            <a:schemeClr val="accent5">
+              <a:shade val="50000"/>
+            </a:schemeClr>
+          </a:lnRef>
+          <a:fillRef idx="1">
+            <a:schemeClr val="accent5"/>
+          </a:fillRef>
+          <a:effectRef idx="0">
+            <a:schemeClr val="accent5"/>
+          </a:effectRef>
+          <a:fontRef idx="minor">
+            <a:schemeClr val="lt1"/>
+          </a:fontRef>
+        </p:style>
+        <p:txBody>
+          <a:bodyPr rtlCol="0" anchor="ctr"/>
+          <a:lstStyle/>
+          <a:p>
+            <a:pPr algn="ctr"/>
+            <a:r>
+              <a:rPr lang="fr-FR" sz="1452" dirty="0" err="1">
+                <a:solidFill>
+                  <a:schemeClr val="bg1"/>
+                </a:solidFill>
+                <a:latin typeface="Consolas" panose="020B0609020204030204" pitchFamily="49" charset="0"/>
+              </a:rPr>
+              <a:t>Complement</a:t>
+            </a:r>
+            <a:endParaRPr lang="fr-FR" sz="1452" dirty="0">
+              <a:solidFill>
+                <a:schemeClr val="bg1"/>
+              </a:solidFill>
+              <a:latin typeface="Consolas" panose="020B0609020204030204" pitchFamily="49" charset="0"/>
+            </a:endParaRPr>
+          </a:p>
+        </p:txBody>
+      </p:sp>
+      <p:sp>
+        <p:nvSpPr>
+          <p:cNvPr id="6" name="Rectangle: Rounded Corners 33">
+            <a:hlinkClick r:id="rId2" action="ppaction://hlinksldjump"/>
+            <a:extLst>
+              <a:ext uri="{FF2B5EF4-FFF2-40B4-BE49-F238E27FC236}">
+                <a16:creationId xmlns:a16="http://schemas.microsoft.com/office/drawing/2014/main" id="{6ED5FE98-4959-77AF-CB9F-12B4CDF734AB}"/>
+              </a:ext>
+            </a:extLst>
+          </p:cNvPr>
+          <p:cNvSpPr/>
+          <p:nvPr/>
+        </p:nvSpPr>
+        <p:spPr>
+          <a:xfrm>
+            <a:off x="3174324" y="3278862"/>
+            <a:ext cx="1294062" cy="284954"/>
+          </a:xfrm>
+          <a:prstGeom prst="roundRect">
+            <a:avLst/>
+          </a:prstGeom>
+          <a:solidFill>
+            <a:schemeClr val="tx1"/>
+          </a:solidFill>
+        </p:spPr>
+        <p:style>
+          <a:lnRef idx="2">
+            <a:schemeClr val="accent1">
+              <a:shade val="50000"/>
+            </a:schemeClr>
+          </a:lnRef>
+          <a:fillRef idx="1">
+            <a:schemeClr val="accent1"/>
+          </a:fillRef>
+          <a:effectRef idx="0">
+            <a:schemeClr val="accent1"/>
+          </a:effectRef>
+          <a:fontRef idx="minor">
+            <a:schemeClr val="lt1"/>
+          </a:fontRef>
+        </p:style>
+        <p:txBody>
+          <a:bodyPr rtlCol="0" anchor="ctr"/>
+          <a:lstStyle/>
+          <a:p>
+            <a:pPr algn="ctr"/>
+            <a:r>
+              <a:rPr lang="fr-FR" sz="998" dirty="0">
+                <a:solidFill>
+                  <a:srgbClr val="569CD6"/>
+                </a:solidFill>
+                <a:latin typeface="Consolas" panose="020B0609020204030204" pitchFamily="49" charset="0"/>
+              </a:rPr>
+              <a:t>Fonction</a:t>
+            </a:r>
+            <a:r>
+              <a:rPr lang="fr-FR" sz="998" dirty="0">
+                <a:solidFill>
+                  <a:srgbClr val="D4D4D4"/>
+                </a:solidFill>
+                <a:latin typeface="Consolas" panose="020B0609020204030204" pitchFamily="49" charset="0"/>
+              </a:rPr>
+              <a:t> </a:t>
+            </a:r>
+            <a:r>
+              <a:rPr lang="fr-FR" sz="998" dirty="0">
+                <a:solidFill>
+                  <a:srgbClr val="DCDCAA"/>
+                </a:solidFill>
+                <a:latin typeface="Consolas" panose="020B0609020204030204" pitchFamily="49" charset="0"/>
+              </a:rPr>
+              <a:t>main</a:t>
+            </a:r>
+            <a:r>
+              <a:rPr lang="fr-FR" sz="998" dirty="0">
+                <a:solidFill>
+                  <a:srgbClr val="D4D4D4"/>
+                </a:solidFill>
+                <a:latin typeface="Consolas" panose="020B0609020204030204" pitchFamily="49" charset="0"/>
+              </a:rPr>
+              <a:t>()</a:t>
+            </a:r>
+          </a:p>
+        </p:txBody>
+      </p:sp>
+      <p:pic>
+        <p:nvPicPr>
+          <p:cNvPr id="7" name="Graphic 6" descr="User with solid fill">
+            <a:extLst>
+              <a:ext uri="{FF2B5EF4-FFF2-40B4-BE49-F238E27FC236}">
+                <a16:creationId xmlns:a16="http://schemas.microsoft.com/office/drawing/2014/main" id="{36BBA649-D469-FBA5-38BD-13AFA98DD359}"/>
+              </a:ext>
+            </a:extLst>
+          </p:cNvPr>
+          <p:cNvPicPr>
+            <a:picLocks noChangeAspect="1"/>
+          </p:cNvPicPr>
+          <p:nvPr/>
+        </p:nvPicPr>
+        <p:blipFill>
+          <a:blip r:embed="rId3">
+            <a:extLst>
+              <a:ext uri="{28A0092B-C50C-407E-A947-70E740481C1C}">
+                <a14:useLocalDpi xmlns:a14="http://schemas.microsoft.com/office/drawing/2010/main" val="0"/>
+              </a:ext>
+              <a:ext uri="{96DAC541-7B7A-43D3-8B79-37D633B846F1}">
+                <asvg:svgBlip xmlns:asvg="http://schemas.microsoft.com/office/drawing/2016/SVG/main" r:embed="rId4"/>
+              </a:ext>
+            </a:extLst>
+          </a:blip>
+          <a:stretch>
+            <a:fillRect/>
+          </a:stretch>
+        </p:blipFill>
+        <p:spPr>
+          <a:xfrm>
+            <a:off x="1297407" y="2269579"/>
+            <a:ext cx="849584" cy="849584"/>
+          </a:xfrm>
+          <a:prstGeom prst="rect">
+            <a:avLst/>
+          </a:prstGeom>
+        </p:spPr>
+      </p:pic>
+      <p:cxnSp>
+        <p:nvCxnSpPr>
+          <p:cNvPr id="8" name="Straight Connector 7">
+            <a:extLst>
+              <a:ext uri="{FF2B5EF4-FFF2-40B4-BE49-F238E27FC236}">
+                <a16:creationId xmlns:a16="http://schemas.microsoft.com/office/drawing/2014/main" id="{2BFBF085-28F7-5A1F-0532-DB9F080AF36F}"/>
+              </a:ext>
+            </a:extLst>
+          </p:cNvPr>
+          <p:cNvCxnSpPr>
+            <a:cxnSpLocks/>
+          </p:cNvCxnSpPr>
+          <p:nvPr/>
+        </p:nvCxnSpPr>
+        <p:spPr>
+          <a:xfrm>
+            <a:off x="2230448" y="2844464"/>
+            <a:ext cx="903569" cy="0"/>
+          </a:xfrm>
+          <a:prstGeom prst="line">
+            <a:avLst/>
+          </a:prstGeom>
+        </p:spPr>
+        <p:style>
+          <a:lnRef idx="1">
+            <a:schemeClr val="accent1"/>
+          </a:lnRef>
+          <a:fillRef idx="0">
+            <a:schemeClr val="accent1"/>
+          </a:fillRef>
+          <a:effectRef idx="0">
+            <a:schemeClr val="accent1"/>
+          </a:effectRef>
+          <a:fontRef idx="minor">
+            <a:schemeClr val="tx1"/>
+          </a:fontRef>
+        </p:style>
+      </p:cxnSp>
+      <p:cxnSp>
+        <p:nvCxnSpPr>
+          <p:cNvPr id="9" name="Straight Arrow Connector 8">
+            <a:extLst>
+              <a:ext uri="{FF2B5EF4-FFF2-40B4-BE49-F238E27FC236}">
+                <a16:creationId xmlns:a16="http://schemas.microsoft.com/office/drawing/2014/main" id="{7FA4C3EF-B34C-C447-8663-28B7A591714B}"/>
+              </a:ext>
+            </a:extLst>
+          </p:cNvPr>
+          <p:cNvCxnSpPr>
+            <a:cxnSpLocks/>
+          </p:cNvCxnSpPr>
+          <p:nvPr/>
+        </p:nvCxnSpPr>
+        <p:spPr>
+          <a:xfrm>
+            <a:off x="3134013" y="2844465"/>
+            <a:ext cx="0" cy="1039101"/>
+          </a:xfrm>
+          <a:prstGeom prst="straightConnector1">
+            <a:avLst/>
+          </a:prstGeom>
+          <a:ln>
+            <a:tailEnd type="triangle"/>
+          </a:ln>
+        </p:spPr>
+        <p:style>
+          <a:lnRef idx="1">
+            <a:schemeClr val="accent1"/>
+          </a:lnRef>
+          <a:fillRef idx="0">
+            <a:schemeClr val="accent1"/>
+          </a:fillRef>
+          <a:effectRef idx="0">
+            <a:schemeClr val="accent1"/>
+          </a:effectRef>
+          <a:fontRef idx="minor">
+            <a:schemeClr val="tx1"/>
+          </a:fontRef>
+        </p:style>
+      </p:cxnSp>
+      <p:sp>
+        <p:nvSpPr>
+          <p:cNvPr id="10" name="Rectangle: Rounded Corners 8">
+            <a:extLst>
+              <a:ext uri="{FF2B5EF4-FFF2-40B4-BE49-F238E27FC236}">
+                <a16:creationId xmlns:a16="http://schemas.microsoft.com/office/drawing/2014/main" id="{2E1A9AC4-A876-2E33-75BE-5B7272020444}"/>
+              </a:ext>
+            </a:extLst>
+          </p:cNvPr>
+          <p:cNvSpPr/>
+          <p:nvPr/>
+        </p:nvSpPr>
+        <p:spPr>
+          <a:xfrm>
+            <a:off x="555055" y="4024211"/>
+            <a:ext cx="5584484" cy="4976912"/>
+          </a:xfrm>
+          <a:prstGeom prst="roundRect">
+            <a:avLst>
+              <a:gd name="adj" fmla="val 8189"/>
+            </a:avLst>
+          </a:prstGeom>
+          <a:solidFill>
+            <a:schemeClr val="bg1"/>
+          </a:solidFill>
+        </p:spPr>
+        <p:style>
+          <a:lnRef idx="2">
+            <a:schemeClr val="accent1">
+              <a:shade val="50000"/>
+            </a:schemeClr>
+          </a:lnRef>
+          <a:fillRef idx="1">
+            <a:schemeClr val="accent1"/>
+          </a:fillRef>
+          <a:effectRef idx="0">
+            <a:schemeClr val="accent1"/>
+          </a:effectRef>
+          <a:fontRef idx="minor">
+            <a:schemeClr val="lt1"/>
+          </a:fontRef>
+        </p:style>
+        <p:txBody>
+          <a:bodyPr rtlCol="0" anchor="ctr"/>
+          <a:lstStyle/>
+          <a:p>
+            <a:pPr algn="ctr"/>
+            <a:r>
+              <a:rPr lang="fr-FR" sz="1673" dirty="0">
+                <a:latin typeface="Consolas" panose="020B0609020204030204" pitchFamily="49" charset="0"/>
+              </a:rPr>
+              <a:t>2790zzs</a:t>
+            </a:r>
+          </a:p>
+        </p:txBody>
+      </p:sp>
+      <p:sp>
+        <p:nvSpPr>
+          <p:cNvPr id="11" name="TextBox 10">
+            <a:extLst>
+              <a:ext uri="{FF2B5EF4-FFF2-40B4-BE49-F238E27FC236}">
+                <a16:creationId xmlns:a16="http://schemas.microsoft.com/office/drawing/2014/main" id="{03123BEB-6594-6E40-06A4-441721CF55F8}"/>
+              </a:ext>
+            </a:extLst>
+          </p:cNvPr>
+          <p:cNvSpPr txBox="1"/>
+          <p:nvPr/>
+        </p:nvSpPr>
+        <p:spPr>
+          <a:xfrm>
+            <a:off x="1168980" y="2117165"/>
+            <a:ext cx="1261884" cy="287771"/>
+          </a:xfrm>
+          <a:prstGeom prst="rect">
+            <a:avLst/>
+          </a:prstGeom>
+          <a:noFill/>
+        </p:spPr>
+        <p:txBody>
+          <a:bodyPr wrap="none" rtlCol="0">
+            <a:spAutoFit/>
+          </a:bodyPr>
+          <a:lstStyle/>
+          <a:p>
+            <a:r>
+              <a:rPr lang="fr-FR" sz="1270" dirty="0" err="1">
+                <a:latin typeface="Consolas" panose="020B0609020204030204" pitchFamily="49" charset="0"/>
+              </a:rPr>
+              <a:t>Utilisateurq</a:t>
+            </a:r>
+            <a:endParaRPr lang="fr-FR" sz="1270" dirty="0">
+              <a:latin typeface="Consolas" panose="020B0609020204030204" pitchFamily="49" charset="0"/>
+            </a:endParaRPr>
+          </a:p>
+        </p:txBody>
+      </p:sp>
+      <p:sp>
+        <p:nvSpPr>
+          <p:cNvPr id="13" name="TextBox 12">
+            <a:extLst>
+              <a:ext uri="{FF2B5EF4-FFF2-40B4-BE49-F238E27FC236}">
+                <a16:creationId xmlns:a16="http://schemas.microsoft.com/office/drawing/2014/main" id="{2E4B3610-1F71-CA10-6F09-D7B0794701C2}"/>
+              </a:ext>
+            </a:extLst>
+          </p:cNvPr>
+          <p:cNvSpPr txBox="1"/>
+          <p:nvPr/>
+        </p:nvSpPr>
+        <p:spPr>
+          <a:xfrm>
+            <a:off x="3134013" y="2656904"/>
+            <a:ext cx="1889234" cy="483209"/>
+          </a:xfrm>
+          <a:prstGeom prst="rect">
+            <a:avLst/>
+          </a:prstGeom>
+          <a:noFill/>
+        </p:spPr>
+        <p:txBody>
+          <a:bodyPr wrap="square" rtlCol="0">
+            <a:spAutoFit/>
+          </a:bodyPr>
+          <a:lstStyle/>
+          <a:p>
+            <a:r>
+              <a:rPr lang="fr-FR" sz="1270" dirty="0">
+                <a:latin typeface="Consolas" panose="020B0609020204030204" pitchFamily="49" charset="0"/>
+              </a:rPr>
+              <a:t>Nombre: -AE6</a:t>
+            </a:r>
+          </a:p>
+          <a:p>
+            <a:r>
+              <a:rPr lang="fr-FR" sz="1270" dirty="0">
+                <a:latin typeface="Consolas" panose="020B0609020204030204" pitchFamily="49" charset="0"/>
+              </a:rPr>
+              <a:t>Base d’origine: 16</a:t>
+            </a:r>
+          </a:p>
+        </p:txBody>
+      </p:sp>
+      <p:cxnSp>
+        <p:nvCxnSpPr>
+          <p:cNvPr id="15" name="Straight Arrow Connector 14">
+            <a:extLst>
+              <a:ext uri="{FF2B5EF4-FFF2-40B4-BE49-F238E27FC236}">
+                <a16:creationId xmlns:a16="http://schemas.microsoft.com/office/drawing/2014/main" id="{0A8FC828-3B9A-B5AC-4DDF-04918FBFF7FA}"/>
+              </a:ext>
+            </a:extLst>
+          </p:cNvPr>
+          <p:cNvCxnSpPr>
+            <a:cxnSpLocks/>
+          </p:cNvCxnSpPr>
+          <p:nvPr/>
+        </p:nvCxnSpPr>
+        <p:spPr>
+          <a:xfrm>
+            <a:off x="4939903" y="6729413"/>
+            <a:ext cx="0" cy="222126"/>
+          </a:xfrm>
+          <a:prstGeom prst="straightConnector1">
+            <a:avLst/>
+          </a:prstGeom>
+          <a:ln>
+            <a:tailEnd type="triangle"/>
+          </a:ln>
+        </p:spPr>
+        <p:style>
+          <a:lnRef idx="1">
+            <a:schemeClr val="accent1"/>
+          </a:lnRef>
+          <a:fillRef idx="0">
+            <a:schemeClr val="accent1"/>
+          </a:fillRef>
+          <a:effectRef idx="0">
+            <a:schemeClr val="accent1"/>
+          </a:effectRef>
+          <a:fontRef idx="minor">
+            <a:schemeClr val="tx1"/>
+          </a:fontRef>
+        </p:style>
+      </p:cxnSp>
+      <p:sp>
+        <p:nvSpPr>
+          <p:cNvPr id="16" name="TextBox 15">
+            <a:extLst>
+              <a:ext uri="{FF2B5EF4-FFF2-40B4-BE49-F238E27FC236}">
+                <a16:creationId xmlns:a16="http://schemas.microsoft.com/office/drawing/2014/main" id="{5864AEAD-37F1-BC55-CF5F-25D7CF924D09}"/>
+              </a:ext>
+            </a:extLst>
+          </p:cNvPr>
+          <p:cNvSpPr txBox="1"/>
+          <p:nvPr/>
+        </p:nvSpPr>
+        <p:spPr>
+          <a:xfrm>
+            <a:off x="1675293" y="4146360"/>
+            <a:ext cx="2575247" cy="371512"/>
+          </a:xfrm>
+          <a:prstGeom prst="rect">
+            <a:avLst/>
+          </a:prstGeom>
+          <a:noFill/>
+        </p:spPr>
+        <p:txBody>
+          <a:bodyPr wrap="square" rtlCol="0">
+            <a:spAutoFit/>
+          </a:bodyPr>
+          <a:lstStyle/>
+          <a:p>
+            <a:pPr lvl="1"/>
+            <a:r>
+              <a:rPr lang="fr-FR" sz="1814">
+                <a:latin typeface="Consolas" panose="020B0609020204030204" pitchFamily="49" charset="0"/>
+              </a:rPr>
+              <a:t>Complement.exe</a:t>
+            </a:r>
+            <a:endParaRPr lang="fr-FR" sz="1814" dirty="0">
+              <a:latin typeface="Consolas" panose="020B0609020204030204" pitchFamily="49" charset="0"/>
+            </a:endParaRPr>
+          </a:p>
+        </p:txBody>
+      </p:sp>
+      <p:sp>
+        <p:nvSpPr>
+          <p:cNvPr id="17" name="TextBox 16">
+            <a:extLst>
+              <a:ext uri="{FF2B5EF4-FFF2-40B4-BE49-F238E27FC236}">
+                <a16:creationId xmlns:a16="http://schemas.microsoft.com/office/drawing/2014/main" id="{C3467A55-346D-ABEA-1EF6-C4EDFEC3203D}"/>
+              </a:ext>
+            </a:extLst>
+          </p:cNvPr>
+          <p:cNvSpPr txBox="1"/>
+          <p:nvPr/>
+        </p:nvSpPr>
+        <p:spPr>
+          <a:xfrm>
+            <a:off x="978998" y="4855616"/>
+            <a:ext cx="701178" cy="371512"/>
+          </a:xfrm>
+          <a:prstGeom prst="rect">
+            <a:avLst/>
+          </a:prstGeom>
+          <a:noFill/>
+        </p:spPr>
+        <p:txBody>
+          <a:bodyPr wrap="square" rtlCol="0">
+            <a:spAutoFit/>
+          </a:bodyPr>
+          <a:lstStyle/>
+          <a:p>
+            <a:r>
+              <a:rPr lang="fr-FR" sz="1814" dirty="0">
+                <a:latin typeface="Consolas" panose="020B0609020204030204" pitchFamily="49" charset="0"/>
+              </a:rPr>
+              <a:t>AE6</a:t>
+            </a:r>
+          </a:p>
+        </p:txBody>
+      </p:sp>
+      <p:cxnSp>
+        <p:nvCxnSpPr>
+          <p:cNvPr id="18" name="Straight Arrow Connector 17">
+            <a:extLst>
+              <a:ext uri="{FF2B5EF4-FFF2-40B4-BE49-F238E27FC236}">
+                <a16:creationId xmlns:a16="http://schemas.microsoft.com/office/drawing/2014/main" id="{22EB1037-FA64-EF65-C77D-C53390990E5E}"/>
+              </a:ext>
+            </a:extLst>
+          </p:cNvPr>
+          <p:cNvCxnSpPr>
+            <a:cxnSpLocks/>
+          </p:cNvCxnSpPr>
+          <p:nvPr/>
+        </p:nvCxnSpPr>
+        <p:spPr>
+          <a:xfrm>
+            <a:off x="1703600" y="5080211"/>
+            <a:ext cx="2696769" cy="0"/>
+          </a:xfrm>
+          <a:prstGeom prst="straightConnector1">
+            <a:avLst/>
+          </a:prstGeom>
+          <a:ln>
+            <a:tailEnd type="triangle"/>
+          </a:ln>
+        </p:spPr>
+        <p:style>
+          <a:lnRef idx="1">
+            <a:schemeClr val="accent1"/>
+          </a:lnRef>
+          <a:fillRef idx="0">
+            <a:schemeClr val="accent1"/>
+          </a:fillRef>
+          <a:effectRef idx="0">
+            <a:schemeClr val="accent1"/>
+          </a:effectRef>
+          <a:fontRef idx="minor">
+            <a:schemeClr val="tx1"/>
+          </a:fontRef>
+        </p:style>
+      </p:cxnSp>
+      <p:sp>
+        <p:nvSpPr>
+          <p:cNvPr id="19" name="TextBox 18">
+            <a:extLst>
+              <a:ext uri="{FF2B5EF4-FFF2-40B4-BE49-F238E27FC236}">
+                <a16:creationId xmlns:a16="http://schemas.microsoft.com/office/drawing/2014/main" id="{344B7D90-16BA-FF50-3C71-C259516B3543}"/>
+              </a:ext>
+            </a:extLst>
+          </p:cNvPr>
+          <p:cNvSpPr txBox="1"/>
+          <p:nvPr/>
+        </p:nvSpPr>
+        <p:spPr>
+          <a:xfrm>
+            <a:off x="2065050" y="4784870"/>
+            <a:ext cx="2358741" cy="287771"/>
+          </a:xfrm>
+          <a:prstGeom prst="rect">
+            <a:avLst/>
+          </a:prstGeom>
+          <a:noFill/>
+        </p:spPr>
+        <p:txBody>
+          <a:bodyPr wrap="square" rtlCol="0">
+            <a:spAutoFit/>
+          </a:bodyPr>
+          <a:lstStyle/>
+          <a:p>
+            <a:r>
+              <a:rPr lang="fr-FR" sz="1270" dirty="0">
+                <a:latin typeface="Consolas" panose="020B0609020204030204" pitchFamily="49" charset="0"/>
+              </a:rPr>
+              <a:t>Conversion en décimale</a:t>
+            </a:r>
+          </a:p>
+        </p:txBody>
+      </p:sp>
+      <p:sp>
+        <p:nvSpPr>
+          <p:cNvPr id="20" name="TextBox 19">
+            <a:extLst>
+              <a:ext uri="{FF2B5EF4-FFF2-40B4-BE49-F238E27FC236}">
+                <a16:creationId xmlns:a16="http://schemas.microsoft.com/office/drawing/2014/main" id="{148ADCF5-06E5-3D87-BE7B-AA5EAF4BC495}"/>
+              </a:ext>
+            </a:extLst>
+          </p:cNvPr>
+          <p:cNvSpPr txBox="1"/>
+          <p:nvPr/>
+        </p:nvSpPr>
+        <p:spPr>
+          <a:xfrm>
+            <a:off x="4518407" y="4883540"/>
+            <a:ext cx="701179" cy="323165"/>
+          </a:xfrm>
+          <a:prstGeom prst="rect">
+            <a:avLst/>
+          </a:prstGeom>
+          <a:noFill/>
+        </p:spPr>
+        <p:txBody>
+          <a:bodyPr wrap="square" rtlCol="0">
+            <a:spAutoFit/>
+          </a:bodyPr>
+          <a:lstStyle/>
+          <a:p>
+            <a:r>
+              <a:rPr lang="fr-FR" sz="1500" dirty="0">
+                <a:latin typeface="Consolas" panose="020B0609020204030204" pitchFamily="49" charset="0"/>
+              </a:rPr>
+              <a:t>2790</a:t>
+            </a:r>
+          </a:p>
+        </p:txBody>
+      </p:sp>
+      <p:sp>
+        <p:nvSpPr>
+          <p:cNvPr id="21" name="TextBox 20">
+            <a:extLst>
+              <a:ext uri="{FF2B5EF4-FFF2-40B4-BE49-F238E27FC236}">
+                <a16:creationId xmlns:a16="http://schemas.microsoft.com/office/drawing/2014/main" id="{1AB241FC-0F26-37C7-BFC2-A1BCF0BA3190}"/>
+              </a:ext>
+            </a:extLst>
+          </p:cNvPr>
+          <p:cNvSpPr txBox="1"/>
+          <p:nvPr/>
+        </p:nvSpPr>
+        <p:spPr>
+          <a:xfrm>
+            <a:off x="929457" y="5744734"/>
+            <a:ext cx="701179" cy="323165"/>
+          </a:xfrm>
+          <a:prstGeom prst="rect">
+            <a:avLst/>
+          </a:prstGeom>
+          <a:noFill/>
+        </p:spPr>
+        <p:txBody>
+          <a:bodyPr wrap="square" rtlCol="0">
+            <a:spAutoFit/>
+          </a:bodyPr>
+          <a:lstStyle/>
+          <a:p>
+            <a:r>
+              <a:rPr lang="fr-FR" sz="1500" dirty="0">
+                <a:latin typeface="Consolas" panose="020B0609020204030204" pitchFamily="49" charset="0"/>
+              </a:rPr>
+              <a:t>2790</a:t>
+            </a:r>
+          </a:p>
+        </p:txBody>
+      </p:sp>
+      <p:sp>
+        <p:nvSpPr>
+          <p:cNvPr id="22" name="TextBox 21">
+            <a:extLst>
+              <a:ext uri="{FF2B5EF4-FFF2-40B4-BE49-F238E27FC236}">
+                <a16:creationId xmlns:a16="http://schemas.microsoft.com/office/drawing/2014/main" id="{22E26295-93B4-9CCE-1A1B-5C1293FED5C4}"/>
+              </a:ext>
+            </a:extLst>
+          </p:cNvPr>
+          <p:cNvSpPr txBox="1"/>
+          <p:nvPr/>
+        </p:nvSpPr>
+        <p:spPr>
+          <a:xfrm>
+            <a:off x="4291580" y="5769045"/>
+            <a:ext cx="1847959" cy="569387"/>
+          </a:xfrm>
+          <a:prstGeom prst="rect">
+            <a:avLst/>
+          </a:prstGeom>
+          <a:noFill/>
+        </p:spPr>
+        <p:txBody>
+          <a:bodyPr wrap="square" rtlCol="0">
+            <a:spAutoFit/>
+          </a:bodyPr>
+          <a:lstStyle/>
+          <a:p>
+            <a:r>
+              <a:rPr lang="en-MA" sz="1600" dirty="0">
+                <a:solidFill>
+                  <a:srgbClr val="000000"/>
+                </a:solidFill>
+                <a:effectLst/>
+                <a:latin typeface="Menlo" panose="020B0609030804020204" pitchFamily="49" charset="0"/>
+              </a:rPr>
+              <a:t>101011100110</a:t>
+            </a:r>
+          </a:p>
+          <a:p>
+            <a:endParaRPr lang="fr-FR" sz="1500" dirty="0">
+              <a:latin typeface="Consolas" panose="020B0609020204030204" pitchFamily="49" charset="0"/>
+            </a:endParaRPr>
+          </a:p>
+        </p:txBody>
+      </p:sp>
+      <p:cxnSp>
+        <p:nvCxnSpPr>
+          <p:cNvPr id="23" name="Straight Arrow Connector 22">
+            <a:extLst>
+              <a:ext uri="{FF2B5EF4-FFF2-40B4-BE49-F238E27FC236}">
+                <a16:creationId xmlns:a16="http://schemas.microsoft.com/office/drawing/2014/main" id="{DC3BD21C-2656-BE5A-CF47-67F8D2E772FA}"/>
+              </a:ext>
+            </a:extLst>
+          </p:cNvPr>
+          <p:cNvCxnSpPr>
+            <a:cxnSpLocks/>
+          </p:cNvCxnSpPr>
+          <p:nvPr/>
+        </p:nvCxnSpPr>
+        <p:spPr>
+          <a:xfrm>
+            <a:off x="1614533" y="5938292"/>
+            <a:ext cx="2696769" cy="0"/>
+          </a:xfrm>
+          <a:prstGeom prst="straightConnector1">
+            <a:avLst/>
+          </a:prstGeom>
+          <a:ln>
+            <a:tailEnd type="triangle"/>
+          </a:ln>
+        </p:spPr>
+        <p:style>
+          <a:lnRef idx="1">
+            <a:schemeClr val="accent1"/>
+          </a:lnRef>
+          <a:fillRef idx="0">
+            <a:schemeClr val="accent1"/>
+          </a:fillRef>
+          <a:effectRef idx="0">
+            <a:schemeClr val="accent1"/>
+          </a:effectRef>
+          <a:fontRef idx="minor">
+            <a:schemeClr val="tx1"/>
+          </a:fontRef>
+        </p:style>
+      </p:cxnSp>
+      <p:sp>
+        <p:nvSpPr>
+          <p:cNvPr id="24" name="TextBox 23">
+            <a:extLst>
+              <a:ext uri="{FF2B5EF4-FFF2-40B4-BE49-F238E27FC236}">
+                <a16:creationId xmlns:a16="http://schemas.microsoft.com/office/drawing/2014/main" id="{FBF87858-5687-0D71-AA11-8D01F80C0316}"/>
+              </a:ext>
+            </a:extLst>
+          </p:cNvPr>
+          <p:cNvSpPr txBox="1"/>
+          <p:nvPr/>
+        </p:nvSpPr>
+        <p:spPr>
+          <a:xfrm>
+            <a:off x="2037522" y="5633820"/>
+            <a:ext cx="2068483" cy="287771"/>
+          </a:xfrm>
+          <a:prstGeom prst="rect">
+            <a:avLst/>
+          </a:prstGeom>
+          <a:noFill/>
+        </p:spPr>
+        <p:txBody>
+          <a:bodyPr wrap="square" rtlCol="0">
+            <a:spAutoFit/>
+          </a:bodyPr>
+          <a:lstStyle/>
+          <a:p>
+            <a:r>
+              <a:rPr lang="fr-FR" sz="1270" dirty="0">
+                <a:latin typeface="Consolas" panose="020B0609020204030204" pitchFamily="49" charset="0"/>
+              </a:rPr>
+              <a:t>Conversion en base 2</a:t>
+            </a:r>
+          </a:p>
+        </p:txBody>
+      </p:sp>
+      <p:sp>
+        <p:nvSpPr>
+          <p:cNvPr id="25" name="Rectangle: Rounded Corners 34">
+            <a:hlinkClick r:id="" action="ppaction://noaction"/>
+            <a:extLst>
+              <a:ext uri="{FF2B5EF4-FFF2-40B4-BE49-F238E27FC236}">
+                <a16:creationId xmlns:a16="http://schemas.microsoft.com/office/drawing/2014/main" id="{0523E7B9-E6F7-2B0F-CE3A-5F517DA554BF}"/>
+              </a:ext>
+            </a:extLst>
+          </p:cNvPr>
+          <p:cNvSpPr/>
+          <p:nvPr/>
+        </p:nvSpPr>
+        <p:spPr>
+          <a:xfrm>
+            <a:off x="2104121" y="5133867"/>
+            <a:ext cx="1446776" cy="284954"/>
+          </a:xfrm>
+          <a:prstGeom prst="roundRect">
+            <a:avLst/>
+          </a:prstGeom>
+          <a:solidFill>
+            <a:schemeClr val="tx1"/>
+          </a:solidFill>
+        </p:spPr>
+        <p:style>
+          <a:lnRef idx="2">
+            <a:schemeClr val="accent1">
+              <a:shade val="50000"/>
+            </a:schemeClr>
+          </a:lnRef>
+          <a:fillRef idx="1">
+            <a:schemeClr val="accent1"/>
+          </a:fillRef>
+          <a:effectRef idx="0">
+            <a:schemeClr val="accent1"/>
+          </a:effectRef>
+          <a:fontRef idx="minor">
+            <a:schemeClr val="lt1"/>
+          </a:fontRef>
+        </p:style>
+        <p:txBody>
+          <a:bodyPr rtlCol="0" anchor="ctr"/>
+          <a:lstStyle/>
+          <a:p>
+            <a:pPr algn="ctr"/>
+            <a:r>
+              <a:rPr lang="fr-FR" sz="1089" dirty="0">
+                <a:solidFill>
+                  <a:srgbClr val="569CD6"/>
+                </a:solidFill>
+                <a:latin typeface="Consolas" panose="020B0609020204030204" pitchFamily="49" charset="0"/>
+              </a:rPr>
+              <a:t>Fonction</a:t>
+            </a:r>
+            <a:r>
+              <a:rPr lang="fr-FR" sz="1089" dirty="0">
+                <a:solidFill>
+                  <a:srgbClr val="D4D4D4"/>
+                </a:solidFill>
+                <a:latin typeface="Consolas" panose="020B0609020204030204" pitchFamily="49" charset="0"/>
+              </a:rPr>
+              <a:t> </a:t>
+            </a:r>
+            <a:r>
+              <a:rPr lang="fr-FR" sz="1089" dirty="0" err="1">
+                <a:solidFill>
+                  <a:srgbClr val="DCDCAA"/>
+                </a:solidFill>
+                <a:latin typeface="Consolas" panose="020B0609020204030204" pitchFamily="49" charset="0"/>
+              </a:rPr>
+              <a:t>aDeci</a:t>
+            </a:r>
+            <a:r>
+              <a:rPr lang="fr-FR" sz="1089" dirty="0">
+                <a:solidFill>
+                  <a:srgbClr val="D4D4D4"/>
+                </a:solidFill>
+                <a:latin typeface="Consolas" panose="020B0609020204030204" pitchFamily="49" charset="0"/>
+              </a:rPr>
+              <a:t>()</a:t>
+            </a:r>
+          </a:p>
+        </p:txBody>
+      </p:sp>
+      <p:sp>
+        <p:nvSpPr>
+          <p:cNvPr id="26" name="Rectangle: Rounded Corners 36">
+            <a:hlinkClick r:id="" action="ppaction://noaction"/>
+            <a:extLst>
+              <a:ext uri="{FF2B5EF4-FFF2-40B4-BE49-F238E27FC236}">
+                <a16:creationId xmlns:a16="http://schemas.microsoft.com/office/drawing/2014/main" id="{2EFCF41D-7C2D-7EB8-5A6C-9231780B6A5B}"/>
+              </a:ext>
+            </a:extLst>
+          </p:cNvPr>
+          <p:cNvSpPr/>
+          <p:nvPr/>
+        </p:nvSpPr>
+        <p:spPr>
+          <a:xfrm>
+            <a:off x="2104121" y="5985546"/>
+            <a:ext cx="1578058" cy="396439"/>
+          </a:xfrm>
+          <a:prstGeom prst="roundRect">
+            <a:avLst/>
+          </a:prstGeom>
+          <a:solidFill>
+            <a:schemeClr val="tx1"/>
+          </a:solidFill>
+        </p:spPr>
+        <p:style>
+          <a:lnRef idx="2">
+            <a:schemeClr val="accent1">
+              <a:shade val="50000"/>
+            </a:schemeClr>
+          </a:lnRef>
+          <a:fillRef idx="1">
+            <a:schemeClr val="accent1"/>
+          </a:fillRef>
+          <a:effectRef idx="0">
+            <a:schemeClr val="accent1"/>
+          </a:effectRef>
+          <a:fontRef idx="minor">
+            <a:schemeClr val="lt1"/>
+          </a:fontRef>
+        </p:style>
+        <p:txBody>
+          <a:bodyPr rtlCol="0" anchor="ctr"/>
+          <a:lstStyle/>
+          <a:p>
+            <a:pPr algn="ctr"/>
+            <a:r>
+              <a:rPr lang="fr-FR" sz="1089" dirty="0">
+                <a:solidFill>
+                  <a:srgbClr val="D4D4D4"/>
+                </a:solidFill>
+                <a:latin typeface="Consolas" panose="020B0609020204030204" pitchFamily="49" charset="0"/>
+              </a:rPr>
+              <a:t>Conversion en binaire</a:t>
+            </a:r>
+          </a:p>
+        </p:txBody>
+      </p:sp>
+      <p:sp>
+        <p:nvSpPr>
+          <p:cNvPr id="31" name="Rectangle 30">
+            <a:extLst>
+              <a:ext uri="{FF2B5EF4-FFF2-40B4-BE49-F238E27FC236}">
+                <a16:creationId xmlns:a16="http://schemas.microsoft.com/office/drawing/2014/main" id="{1E841535-B93B-124C-AE6C-7BD4A938583F}"/>
+              </a:ext>
+            </a:extLst>
+          </p:cNvPr>
+          <p:cNvSpPr/>
+          <p:nvPr/>
+        </p:nvSpPr>
+        <p:spPr>
+          <a:xfrm>
+            <a:off x="3964781" y="6398386"/>
+            <a:ext cx="1950244" cy="279328"/>
+          </a:xfrm>
+          <a:prstGeom prst="rect">
+            <a:avLst/>
+          </a:prstGeom>
+        </p:spPr>
+        <p:style>
+          <a:lnRef idx="2">
+            <a:schemeClr val="accent1">
+              <a:shade val="50000"/>
+            </a:schemeClr>
+          </a:lnRef>
+          <a:fillRef idx="1">
+            <a:schemeClr val="accent1"/>
+          </a:fillRef>
+          <a:effectRef idx="0">
+            <a:schemeClr val="accent1"/>
+          </a:effectRef>
+          <a:fontRef idx="minor">
+            <a:schemeClr val="lt1"/>
+          </a:fontRef>
+        </p:style>
+        <p:txBody>
+          <a:bodyPr rtlCol="0" anchor="ctr"/>
+          <a:lstStyle/>
+          <a:p>
+            <a:r>
+              <a:rPr lang="en-MA" sz="1400" dirty="0">
+                <a:latin typeface="Consolas" panose="020B0609020204030204" pitchFamily="49" charset="0"/>
+                <a:cs typeface="Consolas" panose="020B0609020204030204" pitchFamily="49" charset="0"/>
+              </a:rPr>
+              <a:t>len()&gt;8 =&gt; 16bits</a:t>
+            </a:r>
+          </a:p>
+        </p:txBody>
+      </p:sp>
+      <p:sp>
+        <p:nvSpPr>
+          <p:cNvPr id="32" name="TextBox 31">
+            <a:extLst>
+              <a:ext uri="{FF2B5EF4-FFF2-40B4-BE49-F238E27FC236}">
+                <a16:creationId xmlns:a16="http://schemas.microsoft.com/office/drawing/2014/main" id="{5309CBEA-7F5C-0BE3-D4F1-70BB90BF5A31}"/>
+              </a:ext>
+            </a:extLst>
+          </p:cNvPr>
+          <p:cNvSpPr txBox="1"/>
+          <p:nvPr/>
+        </p:nvSpPr>
+        <p:spPr>
+          <a:xfrm>
+            <a:off x="3799100" y="7007432"/>
+            <a:ext cx="2337230" cy="569387"/>
+          </a:xfrm>
+          <a:prstGeom prst="rect">
+            <a:avLst/>
+          </a:prstGeom>
+          <a:noFill/>
+        </p:spPr>
+        <p:txBody>
+          <a:bodyPr wrap="square" rtlCol="0">
+            <a:spAutoFit/>
+          </a:bodyPr>
+          <a:lstStyle/>
+          <a:p>
+            <a:r>
+              <a:rPr lang="en-MA" sz="1600" dirty="0">
+                <a:solidFill>
+                  <a:srgbClr val="000000"/>
+                </a:solidFill>
+                <a:latin typeface="Menlo" panose="020B0609030804020204" pitchFamily="49" charset="0"/>
+              </a:rPr>
+              <a:t>1</a:t>
+            </a:r>
+            <a:r>
+              <a:rPr lang="en-MA" sz="1600" dirty="0">
+                <a:solidFill>
+                  <a:srgbClr val="000000"/>
+                </a:solidFill>
+                <a:effectLst/>
+                <a:latin typeface="Menlo" panose="020B0609030804020204" pitchFamily="49" charset="0"/>
+              </a:rPr>
+              <a:t>000101011100110</a:t>
+            </a:r>
+          </a:p>
+          <a:p>
+            <a:endParaRPr lang="fr-FR" sz="1500" dirty="0">
+              <a:latin typeface="Consolas" panose="020B0609020204030204" pitchFamily="49" charset="0"/>
+            </a:endParaRPr>
+          </a:p>
+        </p:txBody>
+      </p:sp>
+      <p:cxnSp>
+        <p:nvCxnSpPr>
+          <p:cNvPr id="34" name="Straight Arrow Connector 33">
+            <a:extLst>
+              <a:ext uri="{FF2B5EF4-FFF2-40B4-BE49-F238E27FC236}">
+                <a16:creationId xmlns:a16="http://schemas.microsoft.com/office/drawing/2014/main" id="{EE33985D-57A1-822A-095E-71210B53576F}"/>
+              </a:ext>
+            </a:extLst>
+          </p:cNvPr>
+          <p:cNvCxnSpPr>
+            <a:cxnSpLocks/>
+          </p:cNvCxnSpPr>
+          <p:nvPr/>
+        </p:nvCxnSpPr>
+        <p:spPr>
+          <a:xfrm>
+            <a:off x="2146991" y="7383210"/>
+            <a:ext cx="0" cy="282034"/>
+          </a:xfrm>
+          <a:prstGeom prst="straightConnector1">
+            <a:avLst/>
+          </a:prstGeom>
+          <a:ln>
+            <a:tailEnd type="triangle"/>
+          </a:ln>
+        </p:spPr>
+        <p:style>
+          <a:lnRef idx="1">
+            <a:schemeClr val="accent1"/>
+          </a:lnRef>
+          <a:fillRef idx="0">
+            <a:schemeClr val="accent1"/>
+          </a:fillRef>
+          <a:effectRef idx="0">
+            <a:schemeClr val="accent1"/>
+          </a:effectRef>
+          <a:fontRef idx="minor">
+            <a:schemeClr val="tx1"/>
+          </a:fontRef>
+        </p:style>
+      </p:cxnSp>
+      <p:cxnSp>
+        <p:nvCxnSpPr>
+          <p:cNvPr id="37" name="Straight Arrow Connector 36">
+            <a:extLst>
+              <a:ext uri="{FF2B5EF4-FFF2-40B4-BE49-F238E27FC236}">
+                <a16:creationId xmlns:a16="http://schemas.microsoft.com/office/drawing/2014/main" id="{97F027C7-617F-E7CB-427D-3868530767B9}"/>
+              </a:ext>
+            </a:extLst>
+          </p:cNvPr>
+          <p:cNvCxnSpPr>
+            <a:cxnSpLocks/>
+          </p:cNvCxnSpPr>
+          <p:nvPr/>
+        </p:nvCxnSpPr>
+        <p:spPr>
+          <a:xfrm flipH="1" flipV="1">
+            <a:off x="3135652" y="7154758"/>
+            <a:ext cx="586695" cy="6306"/>
+          </a:xfrm>
+          <a:prstGeom prst="straightConnector1">
+            <a:avLst/>
+          </a:prstGeom>
+          <a:ln>
+            <a:tailEnd type="triangle"/>
+          </a:ln>
+        </p:spPr>
+        <p:style>
+          <a:lnRef idx="1">
+            <a:schemeClr val="accent1"/>
+          </a:lnRef>
+          <a:fillRef idx="0">
+            <a:schemeClr val="accent1"/>
+          </a:fillRef>
+          <a:effectRef idx="0">
+            <a:schemeClr val="accent1"/>
+          </a:effectRef>
+          <a:fontRef idx="minor">
+            <a:schemeClr val="tx1"/>
+          </a:fontRef>
+        </p:style>
+      </p:cxnSp>
+      <p:cxnSp>
+        <p:nvCxnSpPr>
+          <p:cNvPr id="40" name="Straight Arrow Connector 39">
+            <a:extLst>
+              <a:ext uri="{FF2B5EF4-FFF2-40B4-BE49-F238E27FC236}">
+                <a16:creationId xmlns:a16="http://schemas.microsoft.com/office/drawing/2014/main" id="{9F7DE724-CDE2-070F-B151-AFAD3DBEB954}"/>
+              </a:ext>
+            </a:extLst>
+          </p:cNvPr>
+          <p:cNvCxnSpPr/>
+          <p:nvPr/>
+        </p:nvCxnSpPr>
+        <p:spPr>
+          <a:xfrm>
+            <a:off x="5023247" y="6053738"/>
+            <a:ext cx="0" cy="284694"/>
+          </a:xfrm>
+          <a:prstGeom prst="straightConnector1">
+            <a:avLst/>
+          </a:prstGeom>
+          <a:ln>
+            <a:tailEnd type="triangle"/>
+          </a:ln>
+        </p:spPr>
+        <p:style>
+          <a:lnRef idx="1">
+            <a:schemeClr val="accent1"/>
+          </a:lnRef>
+          <a:fillRef idx="0">
+            <a:schemeClr val="accent1"/>
+          </a:fillRef>
+          <a:effectRef idx="0">
+            <a:schemeClr val="accent1"/>
+          </a:effectRef>
+          <a:fontRef idx="minor">
+            <a:schemeClr val="tx1"/>
+          </a:fontRef>
+        </p:style>
+      </p:cxnSp>
+      <p:sp>
+        <p:nvSpPr>
+          <p:cNvPr id="43" name="Rectangle: Rounded Corners 36">
+            <a:hlinkClick r:id="" action="ppaction://noaction"/>
+            <a:extLst>
+              <a:ext uri="{FF2B5EF4-FFF2-40B4-BE49-F238E27FC236}">
+                <a16:creationId xmlns:a16="http://schemas.microsoft.com/office/drawing/2014/main" id="{FB895472-97AE-98EF-E8A1-3F05B4B26183}"/>
+              </a:ext>
+            </a:extLst>
+          </p:cNvPr>
+          <p:cNvSpPr/>
+          <p:nvPr/>
+        </p:nvSpPr>
+        <p:spPr>
+          <a:xfrm>
+            <a:off x="1384089" y="7021918"/>
+            <a:ext cx="1578058" cy="312949"/>
+          </a:xfrm>
+          <a:prstGeom prst="roundRect">
+            <a:avLst/>
+          </a:prstGeom>
+          <a:solidFill>
+            <a:schemeClr val="tx1"/>
+          </a:solidFill>
+        </p:spPr>
+        <p:style>
+          <a:lnRef idx="2">
+            <a:schemeClr val="accent1">
+              <a:shade val="50000"/>
+            </a:schemeClr>
+          </a:lnRef>
+          <a:fillRef idx="1">
+            <a:schemeClr val="accent1"/>
+          </a:fillRef>
+          <a:effectRef idx="0">
+            <a:schemeClr val="accent1"/>
+          </a:effectRef>
+          <a:fontRef idx="minor">
+            <a:schemeClr val="lt1"/>
+          </a:fontRef>
+        </p:style>
+        <p:txBody>
+          <a:bodyPr rtlCol="0" anchor="ctr"/>
+          <a:lstStyle/>
+          <a:p>
+            <a:pPr algn="ctr"/>
+            <a:r>
+              <a:rPr lang="fr-FR" sz="1089" dirty="0" err="1">
+                <a:solidFill>
+                  <a:srgbClr val="D4D4D4"/>
+                </a:solidFill>
+                <a:latin typeface="Consolas" panose="020B0609020204030204" pitchFamily="49" charset="0"/>
+              </a:rPr>
+              <a:t>Complement</a:t>
+            </a:r>
+            <a:r>
+              <a:rPr lang="fr-FR" sz="1089" dirty="0">
+                <a:solidFill>
+                  <a:srgbClr val="D4D4D4"/>
+                </a:solidFill>
+                <a:latin typeface="Consolas" panose="020B0609020204030204" pitchFamily="49" charset="0"/>
+              </a:rPr>
+              <a:t> a un</a:t>
+            </a:r>
+          </a:p>
+        </p:txBody>
+      </p:sp>
+    </p:spTree>
+    <p:extLst>
+      <p:ext uri="{BB962C8B-B14F-4D97-AF65-F5344CB8AC3E}">
+        <p14:creationId xmlns:p14="http://schemas.microsoft.com/office/powerpoint/2010/main" val="1623758413"/>
       </p:ext>
     </p:extLst>
   </p:cSld>
